--- a/презентация осенняя сессия.pptx
+++ b/презентация осенняя сессия.pptx
@@ -111,6 +111,11 @@
       </a:defRPr>
     </a:lvl9pPr>
   </p:defaultTextStyle>
+  <p:extLst>
+    <p:ext uri="{EFAFB233-063F-42B5-8137-9DF3F51BA10A}">
+      <p15:sldGuideLst xmlns:p15="http://schemas.microsoft.com/office/powerpoint/2012/main"/>
+    </p:ext>
+  </p:extLst>
 </p:presentation>
 </file>
 
@@ -261,7 +266,7 @@
           <a:p>
             <a:fld id="{B0BC7DBF-CC14-43F7-9F0F-5F5B826D4FD3}" type="datetimeFigureOut">
               <a:rPr lang="ru-RU" smtClean="0"/>
-              <a:t>31.10.2021</a:t>
+              <a:t>12.11.2021</a:t>
             </a:fld>
             <a:endParaRPr lang="ru-RU"/>
           </a:p>
@@ -459,7 +464,7 @@
           <a:p>
             <a:fld id="{B0BC7DBF-CC14-43F7-9F0F-5F5B826D4FD3}" type="datetimeFigureOut">
               <a:rPr lang="ru-RU" smtClean="0"/>
-              <a:t>31.10.2021</a:t>
+              <a:t>12.11.2021</a:t>
             </a:fld>
             <a:endParaRPr lang="ru-RU"/>
           </a:p>
@@ -667,7 +672,7 @@
           <a:p>
             <a:fld id="{B0BC7DBF-CC14-43F7-9F0F-5F5B826D4FD3}" type="datetimeFigureOut">
               <a:rPr lang="ru-RU" smtClean="0"/>
-              <a:t>31.10.2021</a:t>
+              <a:t>12.11.2021</a:t>
             </a:fld>
             <a:endParaRPr lang="ru-RU"/>
           </a:p>
@@ -865,7 +870,7 @@
           <a:p>
             <a:fld id="{B0BC7DBF-CC14-43F7-9F0F-5F5B826D4FD3}" type="datetimeFigureOut">
               <a:rPr lang="ru-RU" smtClean="0"/>
-              <a:t>31.10.2021</a:t>
+              <a:t>12.11.2021</a:t>
             </a:fld>
             <a:endParaRPr lang="ru-RU"/>
           </a:p>
@@ -1140,7 +1145,7 @@
           <a:p>
             <a:fld id="{B0BC7DBF-CC14-43F7-9F0F-5F5B826D4FD3}" type="datetimeFigureOut">
               <a:rPr lang="ru-RU" smtClean="0"/>
-              <a:t>31.10.2021</a:t>
+              <a:t>12.11.2021</a:t>
             </a:fld>
             <a:endParaRPr lang="ru-RU"/>
           </a:p>
@@ -1405,7 +1410,7 @@
           <a:p>
             <a:fld id="{B0BC7DBF-CC14-43F7-9F0F-5F5B826D4FD3}" type="datetimeFigureOut">
               <a:rPr lang="ru-RU" smtClean="0"/>
-              <a:t>31.10.2021</a:t>
+              <a:t>12.11.2021</a:t>
             </a:fld>
             <a:endParaRPr lang="ru-RU"/>
           </a:p>
@@ -1817,7 +1822,7 @@
           <a:p>
             <a:fld id="{B0BC7DBF-CC14-43F7-9F0F-5F5B826D4FD3}" type="datetimeFigureOut">
               <a:rPr lang="ru-RU" smtClean="0"/>
-              <a:t>31.10.2021</a:t>
+              <a:t>12.11.2021</a:t>
             </a:fld>
             <a:endParaRPr lang="ru-RU"/>
           </a:p>
@@ -1958,7 +1963,7 @@
           <a:p>
             <a:fld id="{B0BC7DBF-CC14-43F7-9F0F-5F5B826D4FD3}" type="datetimeFigureOut">
               <a:rPr lang="ru-RU" smtClean="0"/>
-              <a:t>31.10.2021</a:t>
+              <a:t>12.11.2021</a:t>
             </a:fld>
             <a:endParaRPr lang="ru-RU"/>
           </a:p>
@@ -2071,7 +2076,7 @@
           <a:p>
             <a:fld id="{B0BC7DBF-CC14-43F7-9F0F-5F5B826D4FD3}" type="datetimeFigureOut">
               <a:rPr lang="ru-RU" smtClean="0"/>
-              <a:t>31.10.2021</a:t>
+              <a:t>12.11.2021</a:t>
             </a:fld>
             <a:endParaRPr lang="ru-RU"/>
           </a:p>
@@ -2382,7 +2387,7 @@
           <a:p>
             <a:fld id="{B0BC7DBF-CC14-43F7-9F0F-5F5B826D4FD3}" type="datetimeFigureOut">
               <a:rPr lang="ru-RU" smtClean="0"/>
-              <a:t>31.10.2021</a:t>
+              <a:t>12.11.2021</a:t>
             </a:fld>
             <a:endParaRPr lang="ru-RU"/>
           </a:p>
@@ -2670,7 +2675,7 @@
           <a:p>
             <a:fld id="{B0BC7DBF-CC14-43F7-9F0F-5F5B826D4FD3}" type="datetimeFigureOut">
               <a:rPr lang="ru-RU" smtClean="0"/>
-              <a:t>31.10.2021</a:t>
+              <a:t>12.11.2021</a:t>
             </a:fld>
             <a:endParaRPr lang="ru-RU"/>
           </a:p>
@@ -2911,7 +2916,7 @@
           <a:p>
             <a:fld id="{B0BC7DBF-CC14-43F7-9F0F-5F5B826D4FD3}" type="datetimeFigureOut">
               <a:rPr lang="ru-RU" smtClean="0"/>
-              <a:t>31.10.2021</a:t>
+              <a:t>12.11.2021</a:t>
             </a:fld>
             <a:endParaRPr lang="ru-RU"/>
           </a:p>
@@ -3710,10 +3715,10 @@
       </p:grpSpPr>
       <p:pic>
         <p:nvPicPr>
-          <p:cNvPr id="5" name="Рисунок 4">
-            <a:extLst>
-              <a:ext uri="{FF2B5EF4-FFF2-40B4-BE49-F238E27FC236}">
-                <a16:creationId xmlns:a16="http://schemas.microsoft.com/office/drawing/2014/main" id="{134C4BC9-C480-496E-AA09-C1B45ADCD913}"/>
+          <p:cNvPr id="7" name="Рисунок 6">
+            <a:extLst>
+              <a:ext uri="{FF2B5EF4-FFF2-40B4-BE49-F238E27FC236}">
+                <a16:creationId xmlns:a16="http://schemas.microsoft.com/office/drawing/2014/main" id="{8DBB1BA7-7750-4E27-B51A-E93980DA77EE}"/>
               </a:ext>
             </a:extLst>
           </p:cNvPr>

--- a/презентация осенняя сессия.pptx
+++ b/презентация осенняя сессия.pptx
@@ -3583,10 +3583,10 @@
       </p:grpSpPr>
       <p:pic>
         <p:nvPicPr>
-          <p:cNvPr id="5" name="Рисунок 4" descr="Изображение выглядит как текст, электроника&#10;&#10;Автоматически созданное описание">
-            <a:extLst>
-              <a:ext uri="{FF2B5EF4-FFF2-40B4-BE49-F238E27FC236}">
-                <a16:creationId xmlns:a16="http://schemas.microsoft.com/office/drawing/2014/main" id="{33424EAC-6BD2-42FC-90BF-2B95E2AA35D1}"/>
+          <p:cNvPr id="3" name="Рисунок 2">
+            <a:extLst>
+              <a:ext uri="{FF2B5EF4-FFF2-40B4-BE49-F238E27FC236}">
+                <a16:creationId xmlns:a16="http://schemas.microsoft.com/office/drawing/2014/main" id="{D3F60280-52D7-423B-907D-98312A709276}"/>
               </a:ext>
             </a:extLst>
           </p:cNvPr>
@@ -3781,10 +3781,10 @@
       </p:grpSpPr>
       <p:pic>
         <p:nvPicPr>
-          <p:cNvPr id="5" name="Рисунок 4" descr="Изображение выглядит как текст&#10;&#10;Автоматически созданное описание">
-            <a:extLst>
-              <a:ext uri="{FF2B5EF4-FFF2-40B4-BE49-F238E27FC236}">
-                <a16:creationId xmlns:a16="http://schemas.microsoft.com/office/drawing/2014/main" id="{F8734575-1D76-457A-B945-205B8C95465D}"/>
+          <p:cNvPr id="3" name="Рисунок 2" descr="Изображение выглядит как текст&#10;&#10;Автоматически созданное описание">
+            <a:extLst>
+              <a:ext uri="{FF2B5EF4-FFF2-40B4-BE49-F238E27FC236}">
+                <a16:creationId xmlns:a16="http://schemas.microsoft.com/office/drawing/2014/main" id="{C4EC3D78-5ED7-49AF-8AB3-929FE3416A45}"/>
               </a:ext>
             </a:extLst>
           </p:cNvPr>

--- a/презентация осенняя сессия.pptx
+++ b/презентация осенняя сессия.pptx
@@ -3583,10 +3583,10 @@
       </p:grpSpPr>
       <p:pic>
         <p:nvPicPr>
-          <p:cNvPr id="3" name="Рисунок 2">
-            <a:extLst>
-              <a:ext uri="{FF2B5EF4-FFF2-40B4-BE49-F238E27FC236}">
-                <a16:creationId xmlns:a16="http://schemas.microsoft.com/office/drawing/2014/main" id="{D3F60280-52D7-423B-907D-98312A709276}"/>
+          <p:cNvPr id="8" name="Рисунок 7">
+            <a:extLst>
+              <a:ext uri="{FF2B5EF4-FFF2-40B4-BE49-F238E27FC236}">
+                <a16:creationId xmlns:a16="http://schemas.microsoft.com/office/drawing/2014/main" id="{E30EA12C-9C1D-4C6E-AEFE-6C1C9B5706EF}"/>
               </a:ext>
             </a:extLst>
           </p:cNvPr>

--- a/презентация осенняя сессия.pptx
+++ b/презентация осенняя сессия.pptx
@@ -3781,10 +3781,10 @@
       </p:grpSpPr>
       <p:pic>
         <p:nvPicPr>
-          <p:cNvPr id="3" name="Рисунок 2" descr="Изображение выглядит как текст&#10;&#10;Автоматически созданное описание">
-            <a:extLst>
-              <a:ext uri="{FF2B5EF4-FFF2-40B4-BE49-F238E27FC236}">
-                <a16:creationId xmlns:a16="http://schemas.microsoft.com/office/drawing/2014/main" id="{C4EC3D78-5ED7-49AF-8AB3-929FE3416A45}"/>
+          <p:cNvPr id="6" name="Рисунок 5" descr="Изображение выглядит как текст&#10;&#10;Автоматически созданное описание">
+            <a:extLst>
+              <a:ext uri="{FF2B5EF4-FFF2-40B4-BE49-F238E27FC236}">
+                <a16:creationId xmlns:a16="http://schemas.microsoft.com/office/drawing/2014/main" id="{CFE1BC45-08FB-4B9B-B049-F2899FBA793A}"/>
               </a:ext>
             </a:extLst>
           </p:cNvPr>
